--- a/web/Perguntas_e_Respostas/Informatica/ADS/0002_POO/0001_Unidade01.pptx
+++ b/web/Perguntas_e_Respostas/Informatica/ADS/0002_POO/0001_Unidade01.pptx
@@ -17519,19 +17519,7 @@
                 <a:cs typeface="Calibri"/>
                 <a:sym typeface="Calibri"/>
               </a:rPr>
-              <a:t>Programação Orientada a Objetos - </a:t>
-            </a:r>
-            <a:r>
-              <a:rPr lang="pt-BR" sz="2800" dirty="0" smtClean="0">
-                <a:solidFill>
-                  <a:schemeClr val="lt1"/>
-                </a:solidFill>
-                <a:latin typeface="Calibri"/>
-                <a:ea typeface="Calibri"/>
-                <a:cs typeface="Calibri"/>
-                <a:sym typeface="Calibri"/>
-              </a:rPr>
-              <a:t>Exercícios</a:t>
+              <a:t>Programação Orientada a Objetos - Exercícios</a:t>
             </a:r>
             <a:endParaRPr lang="pt-BR" sz="2800" dirty="0">
               <a:solidFill>
@@ -17646,19 +17634,7 @@
                 <a:cs typeface="Calibri"/>
                 <a:sym typeface="Calibri"/>
               </a:rPr>
-              <a:t>Programação Orientada a Objetos - </a:t>
-            </a:r>
-            <a:r>
-              <a:rPr lang="pt-BR" sz="2800" dirty="0" smtClean="0">
-                <a:solidFill>
-                  <a:schemeClr val="lt1"/>
-                </a:solidFill>
-                <a:latin typeface="Calibri"/>
-                <a:ea typeface="Calibri"/>
-                <a:cs typeface="Calibri"/>
-                <a:sym typeface="Calibri"/>
-              </a:rPr>
-              <a:t>Exercícios</a:t>
+              <a:t>Programação Orientada a Objetos - Exercícios</a:t>
             </a:r>
             <a:endParaRPr lang="pt-BR" sz="2800" dirty="0">
               <a:solidFill>
@@ -17773,19 +17749,7 @@
                 <a:cs typeface="Calibri"/>
                 <a:sym typeface="Calibri"/>
               </a:rPr>
-              <a:t>Programação Orientada a Objetos - </a:t>
-            </a:r>
-            <a:r>
-              <a:rPr lang="pt-BR" sz="2800" dirty="0" smtClean="0">
-                <a:solidFill>
-                  <a:schemeClr val="lt1"/>
-                </a:solidFill>
-                <a:latin typeface="Calibri"/>
-                <a:ea typeface="Calibri"/>
-                <a:cs typeface="Calibri"/>
-                <a:sym typeface="Calibri"/>
-              </a:rPr>
-              <a:t>Exercícios</a:t>
+              <a:t>Programação Orientada a Objetos - Exercícios</a:t>
             </a:r>
             <a:endParaRPr lang="pt-BR" sz="2800" dirty="0">
               <a:solidFill>
@@ -17900,19 +17864,7 @@
                 <a:cs typeface="Calibri"/>
                 <a:sym typeface="Calibri"/>
               </a:rPr>
-              <a:t>Programação Orientada a Objetos - </a:t>
-            </a:r>
-            <a:r>
-              <a:rPr lang="pt-BR" sz="2800" dirty="0" smtClean="0">
-                <a:solidFill>
-                  <a:schemeClr val="lt1"/>
-                </a:solidFill>
-                <a:latin typeface="Calibri"/>
-                <a:ea typeface="Calibri"/>
-                <a:cs typeface="Calibri"/>
-                <a:sym typeface="Calibri"/>
-              </a:rPr>
-              <a:t>Exercícios</a:t>
+              <a:t>Programação Orientada a Objetos - Exercícios</a:t>
             </a:r>
             <a:endParaRPr lang="pt-BR" sz="2800" dirty="0">
               <a:solidFill>
@@ -18027,19 +17979,7 @@
                 <a:cs typeface="Calibri"/>
                 <a:sym typeface="Calibri"/>
               </a:rPr>
-              <a:t>Programação Orientada a Objetos - </a:t>
-            </a:r>
-            <a:r>
-              <a:rPr lang="pt-BR" sz="2800" dirty="0" smtClean="0">
-                <a:solidFill>
-                  <a:schemeClr val="lt1"/>
-                </a:solidFill>
-                <a:latin typeface="Calibri"/>
-                <a:ea typeface="Calibri"/>
-                <a:cs typeface="Calibri"/>
-                <a:sym typeface="Calibri"/>
-              </a:rPr>
-              <a:t>Exercícios</a:t>
+              <a:t>Programação Orientada a Objetos - Exercícios</a:t>
             </a:r>
             <a:endParaRPr lang="pt-BR" sz="2800" dirty="0">
               <a:solidFill>
@@ -18154,19 +18094,7 @@
                 <a:cs typeface="Calibri"/>
                 <a:sym typeface="Calibri"/>
               </a:rPr>
-              <a:t>Programação Orientada a Objetos - </a:t>
-            </a:r>
-            <a:r>
-              <a:rPr lang="pt-BR" sz="2800" dirty="0" smtClean="0">
-                <a:solidFill>
-                  <a:schemeClr val="lt1"/>
-                </a:solidFill>
-                <a:latin typeface="Calibri"/>
-                <a:ea typeface="Calibri"/>
-                <a:cs typeface="Calibri"/>
-                <a:sym typeface="Calibri"/>
-              </a:rPr>
-              <a:t>Exercícios</a:t>
+              <a:t>Programação Orientada a Objetos - Exercícios</a:t>
             </a:r>
             <a:endParaRPr lang="pt-BR" sz="2800" dirty="0">
               <a:solidFill>
@@ -18281,19 +18209,7 @@
                 <a:cs typeface="Calibri"/>
                 <a:sym typeface="Calibri"/>
               </a:rPr>
-              <a:t>Programação Orientada a Objetos - </a:t>
-            </a:r>
-            <a:r>
-              <a:rPr lang="pt-BR" sz="2800" dirty="0" smtClean="0">
-                <a:solidFill>
-                  <a:schemeClr val="lt1"/>
-                </a:solidFill>
-                <a:latin typeface="Calibri"/>
-                <a:ea typeface="Calibri"/>
-                <a:cs typeface="Calibri"/>
-                <a:sym typeface="Calibri"/>
-              </a:rPr>
-              <a:t>Exercícios</a:t>
+              <a:t>Programação Orientada a Objetos - Exercícios</a:t>
             </a:r>
             <a:endParaRPr lang="pt-BR" sz="2800" dirty="0">
               <a:solidFill>
@@ -18408,19 +18324,7 @@
                 <a:cs typeface="Calibri"/>
                 <a:sym typeface="Calibri"/>
               </a:rPr>
-              <a:t>Programação Orientada a Objetos - </a:t>
-            </a:r>
-            <a:r>
-              <a:rPr lang="pt-BR" sz="2800" dirty="0" smtClean="0">
-                <a:solidFill>
-                  <a:schemeClr val="lt1"/>
-                </a:solidFill>
-                <a:latin typeface="Calibri"/>
-                <a:ea typeface="Calibri"/>
-                <a:cs typeface="Calibri"/>
-                <a:sym typeface="Calibri"/>
-              </a:rPr>
-              <a:t>Exercícios</a:t>
+              <a:t>Programação Orientada a Objetos - Exercícios</a:t>
             </a:r>
             <a:endParaRPr lang="pt-BR" sz="2800" dirty="0">
               <a:solidFill>
@@ -18535,19 +18439,7 @@
                 <a:cs typeface="Calibri"/>
                 <a:sym typeface="Calibri"/>
               </a:rPr>
-              <a:t>Programação Orientada a Objetos - </a:t>
-            </a:r>
-            <a:r>
-              <a:rPr lang="pt-BR" sz="2800" dirty="0" smtClean="0">
-                <a:solidFill>
-                  <a:schemeClr val="lt1"/>
-                </a:solidFill>
-                <a:latin typeface="Calibri"/>
-                <a:ea typeface="Calibri"/>
-                <a:cs typeface="Calibri"/>
-                <a:sym typeface="Calibri"/>
-              </a:rPr>
-              <a:t>Exercícios</a:t>
+              <a:t>Programação Orientada a Objetos - Exercícios</a:t>
             </a:r>
             <a:endParaRPr lang="pt-BR" sz="2800" dirty="0">
               <a:solidFill>
@@ -18662,19 +18554,7 @@
                 <a:cs typeface="Calibri"/>
                 <a:sym typeface="Calibri"/>
               </a:rPr>
-              <a:t>Programação Orientada a Objetos - </a:t>
-            </a:r>
-            <a:r>
-              <a:rPr lang="pt-BR" sz="2800" dirty="0" smtClean="0">
-                <a:solidFill>
-                  <a:schemeClr val="lt1"/>
-                </a:solidFill>
-                <a:latin typeface="Calibri"/>
-                <a:ea typeface="Calibri"/>
-                <a:cs typeface="Calibri"/>
-                <a:sym typeface="Calibri"/>
-              </a:rPr>
-              <a:t>Exercícios</a:t>
+              <a:t>Programação Orientada a Objetos - Exercícios</a:t>
             </a:r>
             <a:endParaRPr lang="pt-BR" sz="2800" dirty="0">
               <a:solidFill>
@@ -18789,19 +18669,7 @@
                 <a:cs typeface="Calibri"/>
                 <a:sym typeface="Calibri"/>
               </a:rPr>
-              <a:t>Programação Orientada a Objetos - </a:t>
-            </a:r>
-            <a:r>
-              <a:rPr lang="pt-BR" sz="2800" dirty="0" smtClean="0">
-                <a:solidFill>
-                  <a:schemeClr val="lt1"/>
-                </a:solidFill>
-                <a:latin typeface="Calibri"/>
-                <a:ea typeface="Calibri"/>
-                <a:cs typeface="Calibri"/>
-                <a:sym typeface="Calibri"/>
-              </a:rPr>
-              <a:t>Exercícios</a:t>
+              <a:t>Programação Orientada a Objetos - Exercícios</a:t>
             </a:r>
             <a:endParaRPr lang="pt-BR" sz="2800" dirty="0">
               <a:solidFill>
@@ -18916,19 +18784,7 @@
                 <a:cs typeface="Calibri"/>
                 <a:sym typeface="Calibri"/>
               </a:rPr>
-              <a:t>Programação Orientada a Objetos - </a:t>
-            </a:r>
-            <a:r>
-              <a:rPr lang="pt-BR" sz="2800" dirty="0" smtClean="0">
-                <a:solidFill>
-                  <a:schemeClr val="lt1"/>
-                </a:solidFill>
-                <a:latin typeface="Calibri"/>
-                <a:ea typeface="Calibri"/>
-                <a:cs typeface="Calibri"/>
-                <a:sym typeface="Calibri"/>
-              </a:rPr>
-              <a:t>Exercícios</a:t>
+              <a:t>Programação Orientada a Objetos - Exercícios</a:t>
             </a:r>
             <a:endParaRPr lang="pt-BR" sz="2800" dirty="0">
               <a:solidFill>
@@ -19043,19 +18899,7 @@
                 <a:cs typeface="Calibri"/>
                 <a:sym typeface="Calibri"/>
               </a:rPr>
-              <a:t>Programação Orientada a Objetos - </a:t>
-            </a:r>
-            <a:r>
-              <a:rPr lang="pt-BR" sz="2800" dirty="0" smtClean="0">
-                <a:solidFill>
-                  <a:schemeClr val="lt1"/>
-                </a:solidFill>
-                <a:latin typeface="Calibri"/>
-                <a:ea typeface="Calibri"/>
-                <a:cs typeface="Calibri"/>
-                <a:sym typeface="Calibri"/>
-              </a:rPr>
-              <a:t>Exercícios</a:t>
+              <a:t>Programação Orientada a Objetos - Exercícios</a:t>
             </a:r>
             <a:endParaRPr lang="pt-BR" sz="2800" dirty="0">
               <a:solidFill>
@@ -19170,19 +19014,7 @@
                 <a:cs typeface="Calibri"/>
                 <a:sym typeface="Calibri"/>
               </a:rPr>
-              <a:t>Programação Orientada a Objetos - </a:t>
-            </a:r>
-            <a:r>
-              <a:rPr lang="pt-BR" sz="2800" dirty="0" smtClean="0">
-                <a:solidFill>
-                  <a:schemeClr val="lt1"/>
-                </a:solidFill>
-                <a:latin typeface="Calibri"/>
-                <a:ea typeface="Calibri"/>
-                <a:cs typeface="Calibri"/>
-                <a:sym typeface="Calibri"/>
-              </a:rPr>
-              <a:t>Exercícios</a:t>
+              <a:t>Programação Orientada a Objetos - Exercícios</a:t>
             </a:r>
             <a:endParaRPr lang="pt-BR" sz="2800" dirty="0">
               <a:solidFill>
@@ -19297,19 +19129,7 @@
                 <a:cs typeface="Calibri"/>
                 <a:sym typeface="Calibri"/>
               </a:rPr>
-              <a:t>Programação Orientada a Objetos - </a:t>
-            </a:r>
-            <a:r>
-              <a:rPr lang="pt-BR" sz="2800" dirty="0" smtClean="0">
-                <a:solidFill>
-                  <a:schemeClr val="lt1"/>
-                </a:solidFill>
-                <a:latin typeface="Calibri"/>
-                <a:ea typeface="Calibri"/>
-                <a:cs typeface="Calibri"/>
-                <a:sym typeface="Calibri"/>
-              </a:rPr>
-              <a:t>Exercícios</a:t>
+              <a:t>Programação Orientada a Objetos - Exercícios</a:t>
             </a:r>
             <a:endParaRPr lang="pt-BR" sz="2800" dirty="0">
               <a:solidFill>
@@ -19424,19 +19244,7 @@
                 <a:cs typeface="Calibri"/>
                 <a:sym typeface="Calibri"/>
               </a:rPr>
-              <a:t>Programação Orientada a Objetos - </a:t>
-            </a:r>
-            <a:r>
-              <a:rPr lang="pt-BR" sz="2800" dirty="0" smtClean="0">
-                <a:solidFill>
-                  <a:schemeClr val="lt1"/>
-                </a:solidFill>
-                <a:latin typeface="Calibri"/>
-                <a:ea typeface="Calibri"/>
-                <a:cs typeface="Calibri"/>
-                <a:sym typeface="Calibri"/>
-              </a:rPr>
-              <a:t>Exercícios</a:t>
+              <a:t>Programação Orientada a Objetos - Exercícios</a:t>
             </a:r>
             <a:endParaRPr lang="pt-BR" sz="2800" dirty="0">
               <a:solidFill>
@@ -19551,19 +19359,7 @@
                 <a:cs typeface="Calibri"/>
                 <a:sym typeface="Calibri"/>
               </a:rPr>
-              <a:t>Programação Orientada a Objetos - </a:t>
-            </a:r>
-            <a:r>
-              <a:rPr lang="pt-BR" sz="2800" dirty="0" smtClean="0">
-                <a:solidFill>
-                  <a:schemeClr val="lt1"/>
-                </a:solidFill>
-                <a:latin typeface="Calibri"/>
-                <a:ea typeface="Calibri"/>
-                <a:cs typeface="Calibri"/>
-                <a:sym typeface="Calibri"/>
-              </a:rPr>
-              <a:t>Exercícios</a:t>
+              <a:t>Programação Orientada a Objetos - Exercícios</a:t>
             </a:r>
             <a:endParaRPr lang="pt-BR" sz="2800" dirty="0">
               <a:solidFill>
@@ -19678,19 +19474,7 @@
                 <a:cs typeface="Calibri"/>
                 <a:sym typeface="Calibri"/>
               </a:rPr>
-              <a:t>Programação Orientada a Objetos - </a:t>
-            </a:r>
-            <a:r>
-              <a:rPr lang="pt-BR" sz="2800" dirty="0" smtClean="0">
-                <a:solidFill>
-                  <a:schemeClr val="lt1"/>
-                </a:solidFill>
-                <a:latin typeface="Calibri"/>
-                <a:ea typeface="Calibri"/>
-                <a:cs typeface="Calibri"/>
-                <a:sym typeface="Calibri"/>
-              </a:rPr>
-              <a:t>Exercícios</a:t>
+              <a:t>Programação Orientada a Objetos - Exercícios</a:t>
             </a:r>
             <a:endParaRPr lang="pt-BR" sz="2800" dirty="0">
               <a:solidFill>
@@ -19805,19 +19589,7 @@
                 <a:cs typeface="Calibri"/>
                 <a:sym typeface="Calibri"/>
               </a:rPr>
-              <a:t>Programação Orientada a Objetos - </a:t>
-            </a:r>
-            <a:r>
-              <a:rPr lang="pt-BR" sz="2800" dirty="0" smtClean="0">
-                <a:solidFill>
-                  <a:schemeClr val="lt1"/>
-                </a:solidFill>
-                <a:latin typeface="Calibri"/>
-                <a:ea typeface="Calibri"/>
-                <a:cs typeface="Calibri"/>
-                <a:sym typeface="Calibri"/>
-              </a:rPr>
-              <a:t>Exercícios</a:t>
+              <a:t>Programação Orientada a Objetos - Exercícios</a:t>
             </a:r>
             <a:endParaRPr lang="pt-BR" sz="2800" dirty="0">
               <a:solidFill>
@@ -20772,19 +20544,7 @@
                 <a:cs typeface="Calibri"/>
                 <a:sym typeface="Calibri"/>
               </a:rPr>
-              <a:t>Programação Orientada a Objetos - </a:t>
-            </a:r>
-            <a:r>
-              <a:rPr lang="pt-BR" sz="2800" dirty="0" smtClean="0">
-                <a:solidFill>
-                  <a:schemeClr val="lt1"/>
-                </a:solidFill>
-                <a:latin typeface="Calibri"/>
-                <a:ea typeface="Calibri"/>
-                <a:cs typeface="Calibri"/>
-                <a:sym typeface="Calibri"/>
-              </a:rPr>
-              <a:t>Exercícios</a:t>
+              <a:t>Programação Orientada a Objetos - Exercícios</a:t>
             </a:r>
             <a:endParaRPr lang="pt-BR" sz="2800" dirty="0">
               <a:solidFill>
@@ -20899,19 +20659,7 @@
                 <a:cs typeface="Calibri"/>
                 <a:sym typeface="Calibri"/>
               </a:rPr>
-              <a:t>Programação Orientada a Objetos - </a:t>
-            </a:r>
-            <a:r>
-              <a:rPr lang="pt-BR" sz="2800" dirty="0" smtClean="0">
-                <a:solidFill>
-                  <a:schemeClr val="lt1"/>
-                </a:solidFill>
-                <a:latin typeface="Calibri"/>
-                <a:ea typeface="Calibri"/>
-                <a:cs typeface="Calibri"/>
-                <a:sym typeface="Calibri"/>
-              </a:rPr>
-              <a:t>Exercícios</a:t>
+              <a:t>Programação Orientada a Objetos - Exercícios</a:t>
             </a:r>
             <a:endParaRPr lang="pt-BR" sz="2800" dirty="0">
               <a:solidFill>
@@ -21026,19 +20774,7 @@
                 <a:cs typeface="Calibri"/>
                 <a:sym typeface="Calibri"/>
               </a:rPr>
-              <a:t>Programação Orientada a Objetos - </a:t>
-            </a:r>
-            <a:r>
-              <a:rPr lang="pt-BR" sz="2800" dirty="0" smtClean="0">
-                <a:solidFill>
-                  <a:schemeClr val="lt1"/>
-                </a:solidFill>
-                <a:latin typeface="Calibri"/>
-                <a:ea typeface="Calibri"/>
-                <a:cs typeface="Calibri"/>
-                <a:sym typeface="Calibri"/>
-              </a:rPr>
-              <a:t>Exercícios</a:t>
+              <a:t>Programação Orientada a Objetos - Exercícios</a:t>
             </a:r>
             <a:endParaRPr lang="pt-BR" sz="2800" dirty="0">
               <a:solidFill>
@@ -21153,19 +20889,7 @@
                 <a:cs typeface="Calibri"/>
                 <a:sym typeface="Calibri"/>
               </a:rPr>
-              <a:t>Programação Orientada a Objetos - </a:t>
-            </a:r>
-            <a:r>
-              <a:rPr lang="pt-BR" sz="2800" dirty="0" smtClean="0">
-                <a:solidFill>
-                  <a:schemeClr val="lt1"/>
-                </a:solidFill>
-                <a:latin typeface="Calibri"/>
-                <a:ea typeface="Calibri"/>
-                <a:cs typeface="Calibri"/>
-                <a:sym typeface="Calibri"/>
-              </a:rPr>
-              <a:t>Exercícios</a:t>
+              <a:t>Programação Orientada a Objetos - Exercícios</a:t>
             </a:r>
             <a:endParaRPr lang="pt-BR" sz="2800" dirty="0">
               <a:solidFill>
@@ -21280,19 +21004,7 @@
                 <a:cs typeface="Calibri"/>
                 <a:sym typeface="Calibri"/>
               </a:rPr>
-              <a:t>Programação Orientada a Objetos - </a:t>
-            </a:r>
-            <a:r>
-              <a:rPr lang="pt-BR" sz="2800" dirty="0" smtClean="0">
-                <a:solidFill>
-                  <a:schemeClr val="lt1"/>
-                </a:solidFill>
-                <a:latin typeface="Calibri"/>
-                <a:ea typeface="Calibri"/>
-                <a:cs typeface="Calibri"/>
-                <a:sym typeface="Calibri"/>
-              </a:rPr>
-              <a:t>Exercícios</a:t>
+              <a:t>Programação Orientada a Objetos - Exercícios</a:t>
             </a:r>
             <a:endParaRPr lang="pt-BR" sz="2800" dirty="0">
               <a:solidFill>
@@ -21308,7 +21020,7 @@
       </p:sp>
       <p:pic>
         <p:nvPicPr>
-          <p:cNvPr id="2" name="Imagem 1"/>
+          <p:cNvPr id="4" name="Imagem 3"/>
           <p:cNvPicPr>
             <a:picLocks noChangeAspect="1"/>
           </p:cNvPicPr>
@@ -21322,8 +21034,8 @@
         </p:blipFill>
         <p:spPr>
           <a:xfrm>
-            <a:off x="965182" y="666475"/>
-            <a:ext cx="7112469" cy="3717518"/>
+            <a:off x="682395" y="976745"/>
+            <a:ext cx="7678044" cy="3473089"/>
           </a:xfrm>
           <a:prstGeom prst="rect">
             <a:avLst/>
@@ -21407,19 +21119,7 @@
                 <a:cs typeface="Calibri"/>
                 <a:sym typeface="Calibri"/>
               </a:rPr>
-              <a:t>Programação Orientada a Objetos - </a:t>
-            </a:r>
-            <a:r>
-              <a:rPr lang="pt-BR" sz="2800" dirty="0" smtClean="0">
-                <a:solidFill>
-                  <a:schemeClr val="lt1"/>
-                </a:solidFill>
-                <a:latin typeface="Calibri"/>
-                <a:ea typeface="Calibri"/>
-                <a:cs typeface="Calibri"/>
-                <a:sym typeface="Calibri"/>
-              </a:rPr>
-              <a:t>Exercícios</a:t>
+              <a:t>Programação Orientada a Objetos - Exercícios</a:t>
             </a:r>
             <a:endParaRPr lang="pt-BR" sz="2800" dirty="0">
               <a:solidFill>
@@ -21534,19 +21234,7 @@
                 <a:cs typeface="Calibri"/>
                 <a:sym typeface="Calibri"/>
               </a:rPr>
-              <a:t>Programação Orientada a Objetos - </a:t>
-            </a:r>
-            <a:r>
-              <a:rPr lang="pt-BR" sz="2800" dirty="0" smtClean="0">
-                <a:solidFill>
-                  <a:schemeClr val="lt1"/>
-                </a:solidFill>
-                <a:latin typeface="Calibri"/>
-                <a:ea typeface="Calibri"/>
-                <a:cs typeface="Calibri"/>
-                <a:sym typeface="Calibri"/>
-              </a:rPr>
-              <a:t>Exercícios</a:t>
+              <a:t>Programação Orientada a Objetos - Exercícios</a:t>
             </a:r>
             <a:endParaRPr lang="pt-BR" sz="2800" dirty="0">
               <a:solidFill>
